--- a/Ori projekat/ORI prezentacija.pptx
+++ b/Ori projekat/ORI prezentacija.pptx
@@ -741,7 +741,7 @@
           <a:p>
             <a:fld id="{CB3F986D-CB19-4554-BAA3-8424666C3D64}" type="datetimeFigureOut">
               <a:rPr lang="en-US" smtClean="0"/>
-              <a:t>7/5/2017</a:t>
+              <a:t>10/10/2017</a:t>
             </a:fld>
             <a:endParaRPr lang="en-US"/>
           </a:p>
@@ -937,7 +937,7 @@
           <a:p>
             <a:fld id="{CB3F986D-CB19-4554-BAA3-8424666C3D64}" type="datetimeFigureOut">
               <a:rPr lang="en-US" smtClean="0"/>
-              <a:t>7/5/2017</a:t>
+              <a:t>10/10/2017</a:t>
             </a:fld>
             <a:endParaRPr lang="en-US"/>
           </a:p>
@@ -1122,7 +1122,7 @@
           <a:p>
             <a:fld id="{CB3F986D-CB19-4554-BAA3-8424666C3D64}" type="datetimeFigureOut">
               <a:rPr lang="en-US" smtClean="0"/>
-              <a:t>7/5/2017</a:t>
+              <a:t>10/10/2017</a:t>
             </a:fld>
             <a:endParaRPr lang="en-US"/>
           </a:p>
@@ -1272,7 +1272,7 @@
           <a:p>
             <a:fld id="{CB3F986D-CB19-4554-BAA3-8424666C3D64}" type="datetimeFigureOut">
               <a:rPr lang="en-US" smtClean="0"/>
-              <a:t>7/5/2017</a:t>
+              <a:t>10/10/2017</a:t>
             </a:fld>
             <a:endParaRPr lang="en-US"/>
           </a:p>
@@ -1527,7 +1527,7 @@
           <a:p>
             <a:fld id="{CB3F986D-CB19-4554-BAA3-8424666C3D64}" type="datetimeFigureOut">
               <a:rPr lang="en-US" smtClean="0"/>
-              <a:t>7/5/2017</a:t>
+              <a:t>10/10/2017</a:t>
             </a:fld>
             <a:endParaRPr lang="en-US"/>
           </a:p>
@@ -1936,7 +1936,7 @@
           <a:p>
             <a:fld id="{CB3F986D-CB19-4554-BAA3-8424666C3D64}" type="datetimeFigureOut">
               <a:rPr lang="en-US" smtClean="0"/>
-              <a:t>7/5/2017</a:t>
+              <a:t>10/10/2017</a:t>
             </a:fld>
             <a:endParaRPr lang="en-US"/>
           </a:p>
@@ -2382,7 +2382,7 @@
           <a:p>
             <a:fld id="{CB3F986D-CB19-4554-BAA3-8424666C3D64}" type="datetimeFigureOut">
               <a:rPr lang="en-US" smtClean="0"/>
-              <a:t>7/5/2017</a:t>
+              <a:t>10/10/2017</a:t>
             </a:fld>
             <a:endParaRPr lang="en-US"/>
           </a:p>
@@ -2483,7 +2483,7 @@
           <a:p>
             <a:fld id="{CB3F986D-CB19-4554-BAA3-8424666C3D64}" type="datetimeFigureOut">
               <a:rPr lang="en-US" smtClean="0"/>
-              <a:t>7/5/2017</a:t>
+              <a:t>10/10/2017</a:t>
             </a:fld>
             <a:endParaRPr lang="en-US"/>
           </a:p>
@@ -2604,7 +2604,7 @@
           <a:p>
             <a:fld id="{CB3F986D-CB19-4554-BAA3-8424666C3D64}" type="datetimeFigureOut">
               <a:rPr lang="en-US" smtClean="0"/>
-              <a:t>7/5/2017</a:t>
+              <a:t>10/10/2017</a:t>
             </a:fld>
             <a:endParaRPr lang="en-US"/>
           </a:p>
@@ -2878,7 +2878,7 @@
           <a:p>
             <a:fld id="{CB3F986D-CB19-4554-BAA3-8424666C3D64}" type="datetimeFigureOut">
               <a:rPr lang="en-US" smtClean="0"/>
-              <a:t>7/5/2017</a:t>
+              <a:t>10/10/2017</a:t>
             </a:fld>
             <a:endParaRPr lang="en-US"/>
           </a:p>
@@ -3083,7 +3083,7 @@
           <a:p>
             <a:fld id="{CB3F986D-CB19-4554-BAA3-8424666C3D64}" type="datetimeFigureOut">
               <a:rPr lang="en-US" smtClean="0"/>
-              <a:t>7/5/2017</a:t>
+              <a:t>10/10/2017</a:t>
             </a:fld>
             <a:endParaRPr lang="en-US"/>
           </a:p>
@@ -4192,7 +4192,7 @@
           <a:p>
             <a:fld id="{CB3F986D-CB19-4554-BAA3-8424666C3D64}" type="datetimeFigureOut">
               <a:rPr lang="en-US" smtClean="0"/>
-              <a:t>7/5/2017</a:t>
+              <a:t>10/10/2017</a:t>
             </a:fld>
             <a:endParaRPr lang="en-US"/>
           </a:p>
@@ -4698,8 +4698,8 @@
         </p:nvSpPr>
         <p:spPr>
           <a:xfrm>
-            <a:off x="4648200" y="5943600"/>
-            <a:ext cx="4419600" cy="646331"/>
+            <a:off x="4668982" y="5715000"/>
+            <a:ext cx="4419600" cy="923330"/>
           </a:xfrm>
           <a:prstGeom prst="rect">
             <a:avLst/>
@@ -4756,8 +4756,23 @@
               <a:t> </a:t>
             </a:r>
             <a:r>
-              <a:rPr lang="en-US" dirty="0" err="1"/>
+              <a:rPr lang="en-US" dirty="0" err="1" smtClean="0"/>
               <a:t>Kondić</a:t>
+            </a:r>
+            <a:endParaRPr lang="en-US" dirty="0" smtClean="0"/>
+          </a:p>
+          <a:p>
+            <a:r>
+              <a:rPr lang="en-US" dirty="0" err="1" smtClean="0"/>
+              <a:t>Profesor</a:t>
+            </a:r>
+            <a:r>
+              <a:rPr lang="en-US" dirty="0" smtClean="0"/>
+              <a:t> : </a:t>
+            </a:r>
+            <a:r>
+              <a:rPr lang="sr-Latn-RS" dirty="0" smtClean="0"/>
+              <a:t>Đorđe Obradović</a:t>
             </a:r>
             <a:endParaRPr lang="en-US" dirty="0"/>
           </a:p>
@@ -5721,14 +5736,14 @@
           <p:nvPr>
             <p:extLst>
               <p:ext uri="{D42A27DB-BD31-4B8C-83A1-F6EECF244321}">
-                <p14:modId xmlns:p14="http://schemas.microsoft.com/office/powerpoint/2010/main" val="3268189761"/>
+                <p14:modId xmlns:p14="http://schemas.microsoft.com/office/powerpoint/2010/main" val="338706949"/>
               </p:ext>
             </p:extLst>
           </p:nvPr>
         </p:nvGraphicFramePr>
         <p:xfrm>
           <a:off x="457200" y="2362200"/>
-          <a:ext cx="8534400" cy="2676030"/>
+          <a:ext cx="8534400" cy="1853070"/>
         </p:xfrm>
         <a:graphic>
           <a:graphicData uri="http://schemas.openxmlformats.org/drawingml/2006/table">
@@ -5777,12 +5792,62 @@
                     <a:lstStyle/>
                     <a:p>
                       <a:r>
+                        <a:rPr lang="en-US" dirty="0" err="1" smtClean="0"/>
+                        <a:t>Radi</a:t>
+                      </a:r>
+                      <a:r>
+                        <a:rPr lang="en-US" baseline="0" dirty="0" smtClean="0"/>
+                        <a:t> </a:t>
+                      </a:r>
+                      <a:r>
+                        <a:rPr lang="en-US" baseline="0" dirty="0" err="1" smtClean="0"/>
+                        <a:t>preciznije</a:t>
+                      </a:r>
+                      <a:endParaRPr lang="en-US" dirty="0"/>
+                    </a:p>
+                  </a:txBody>
+                  <a:tcPr/>
+                </a:tc>
+                <a:tc>
+                  <a:txBody>
+                    <a:bodyPr/>
+                    <a:lstStyle/>
+                    <a:p>
+                      <a:r>
+                        <a:rPr lang="en-US" dirty="0" smtClean="0"/>
+                        <a:t>Black</a:t>
+                      </a:r>
+                      <a:r>
+                        <a:rPr lang="en-US" baseline="0" dirty="0" smtClean="0"/>
+                        <a:t> box </a:t>
+                      </a:r>
+                      <a:r>
+                        <a:rPr lang="en-US" baseline="0" dirty="0" err="1" smtClean="0"/>
+                        <a:t>sistem</a:t>
+                      </a:r>
+                      <a:endParaRPr lang="en-US" dirty="0"/>
+                    </a:p>
+                  </a:txBody>
+                  <a:tcPr/>
+                </a:tc>
+              </a:tr>
+              <a:tr h="337538">
+                <a:tc>
+                  <a:txBody>
+                    <a:bodyPr/>
+                    <a:lstStyle/>
+                    <a:p>
+                      <a:r>
+                        <a:rPr lang="en-US" dirty="0" err="1" smtClean="0"/>
+                        <a:t>Podr</a:t>
+                      </a:r>
+                      <a:r>
                         <a:rPr lang="sr-Latn-RS" dirty="0" smtClean="0"/>
-                        <a:t>Radi na bilo</a:t>
+                        <a:t>žava</a:t>
                       </a:r>
                       <a:r>
                         <a:rPr lang="sr-Latn-RS" baseline="0" dirty="0" smtClean="0"/>
-                        <a:t> na svim QR kodovima</a:t>
+                        <a:t> predikciju pokreta</a:t>
                       </a:r>
                       <a:endParaRPr lang="en-US" dirty="0"/>
                     </a:p>
@@ -5796,105 +5861,11 @@
                     <a:p>
                       <a:r>
                         <a:rPr lang="sr-Latn-RS" dirty="0" smtClean="0"/>
-                        <a:t>Manja preciznost</a:t>
+                        <a:t>Nije</a:t>
                       </a:r>
                       <a:r>
                         <a:rPr lang="sr-Latn-RS" baseline="0" dirty="0" smtClean="0"/>
-                        <a:t> detekcije</a:t>
-                      </a:r>
-                      <a:endParaRPr lang="en-US" dirty="0"/>
-                    </a:p>
-                  </a:txBody>
-                  <a:tcPr/>
-                </a:tc>
-              </a:tr>
-              <a:tr h="337538">
-                <a:tc>
-                  <a:txBody>
-                    <a:bodyPr/>
-                    <a:lstStyle/>
-                    <a:p>
-                      <a:pPr marL="0" marR="0" indent="0" algn="l" defTabSz="914400" rtl="0" eaLnBrk="1" fontAlgn="auto" latinLnBrk="0" hangingPunct="1">
-                        <a:lnSpc>
-                          <a:spcPct val="100000"/>
-                        </a:lnSpc>
-                        <a:spcBef>
-                          <a:spcPts val="0"/>
-                        </a:spcBef>
-                        <a:spcAft>
-                          <a:spcPts val="0"/>
-                        </a:spcAft>
-                        <a:buClrTx/>
-                        <a:buSzTx/>
-                        <a:buFontTx/>
-                        <a:buNone/>
-                        <a:tabLst/>
-                        <a:defRPr/>
-                      </a:pPr>
-                      <a:r>
-                        <a:rPr lang="en-US" dirty="0" err="1" smtClean="0"/>
-                        <a:t>Kod</a:t>
-                      </a:r>
-                      <a:r>
-                        <a:rPr lang="en-US" baseline="0" dirty="0" smtClean="0"/>
-                        <a:t> </a:t>
-                      </a:r>
-                      <a:r>
-                        <a:rPr lang="en-US" baseline="0" dirty="0" err="1" smtClean="0"/>
-                        <a:t>odra</a:t>
-                      </a:r>
-                      <a:r>
-                        <a:rPr lang="sr-Latn-RS" baseline="0" dirty="0" smtClean="0"/>
-                        <a:t>đen u c++ i dostupan za menjanje i optimizaciju brzine</a:t>
-                      </a:r>
-                      <a:endParaRPr lang="en-US" dirty="0" smtClean="0"/>
-                    </a:p>
-                    <a:p>
-                      <a:endParaRPr lang="en-US" dirty="0"/>
-                    </a:p>
-                  </a:txBody>
-                  <a:tcPr/>
-                </a:tc>
-                <a:tc>
-                  <a:txBody>
-                    <a:bodyPr/>
-                    <a:lstStyle/>
-                    <a:p>
-                      <a:r>
-                        <a:rPr lang="sr-Latn-RS" dirty="0" smtClean="0"/>
-                        <a:t>Postoji</a:t>
-                      </a:r>
-                      <a:r>
-                        <a:rPr lang="sr-Latn-RS" baseline="0" dirty="0" smtClean="0"/>
-                        <a:t> mogućnost da ga </a:t>
-                      </a:r>
-                      <a:r>
-                        <a:rPr lang="en-US" baseline="0" dirty="0" smtClean="0"/>
-                        <a:t>“</a:t>
-                      </a:r>
-                      <a:r>
-                        <a:rPr lang="sr-Latn-RS" baseline="0" dirty="0" smtClean="0"/>
-                        <a:t>prevare</a:t>
-                      </a:r>
-                      <a:r>
-                        <a:rPr lang="en-US" baseline="0" dirty="0" smtClean="0"/>
-                        <a:t>”</a:t>
-                      </a:r>
-                      <a:r>
-                        <a:rPr lang="sr-Latn-RS" baseline="0" dirty="0" smtClean="0"/>
-                        <a:t> objekti </a:t>
-                      </a:r>
-                      <a:r>
-                        <a:rPr lang="en-US" baseline="0" dirty="0" err="1" smtClean="0"/>
-                        <a:t>koji</a:t>
-                      </a:r>
-                      <a:r>
-                        <a:rPr lang="en-US" baseline="0" dirty="0" smtClean="0"/>
-                        <a:t> li</a:t>
-                      </a:r>
-                      <a:r>
-                        <a:rPr lang="sr-Latn-RS" baseline="0" dirty="0" smtClean="0"/>
-                        <a:t>če na QR kodove</a:t>
+                        <a:t> open sourced </a:t>
                       </a:r>
                       <a:endParaRPr lang="en-US" dirty="0"/>
                     </a:p>
@@ -5910,7 +5881,11 @@
                     <a:p>
                       <a:r>
                         <a:rPr lang="sr-Latn-RS" dirty="0" smtClean="0"/>
-                        <a:t>Free software</a:t>
+                        <a:t>Lako</a:t>
+                      </a:r>
+                      <a:r>
+                        <a:rPr lang="sr-Latn-RS" baseline="0" dirty="0" smtClean="0"/>
+                        <a:t> dodavanje u projekat</a:t>
                       </a:r>
                       <a:endParaRPr lang="sr-Latn-RS" dirty="0" smtClean="0"/>
                     </a:p>
@@ -5922,34 +5897,14 @@
                     <a:bodyPr/>
                     <a:lstStyle/>
                     <a:p>
-                      <a:pPr marL="0" marR="0" indent="0" algn="l" defTabSz="914400" rtl="0" eaLnBrk="1" fontAlgn="auto" latinLnBrk="0" hangingPunct="1">
-                        <a:lnSpc>
-                          <a:spcPct val="100000"/>
-                        </a:lnSpc>
-                        <a:spcBef>
-                          <a:spcPts val="0"/>
-                        </a:spcBef>
-                        <a:spcAft>
-                          <a:spcPts val="0"/>
-                        </a:spcAft>
-                        <a:buClrTx/>
-                        <a:buSzTx/>
-                        <a:buFontTx/>
-                        <a:buNone/>
-                        <a:tabLst/>
-                        <a:defRPr/>
-                      </a:pPr>
                       <a:r>
                         <a:rPr lang="sr-Latn-RS" dirty="0" smtClean="0"/>
-                        <a:t>Nije</a:t>
+                        <a:t>Nije moguće</a:t>
                       </a:r>
                       <a:r>
                         <a:rPr lang="sr-Latn-RS" baseline="0" dirty="0" smtClean="0"/>
-                        <a:t> implementiran algoritam za detekciju i nastavljanje kretanja</a:t>
+                        <a:t> u potpunosti prilagoditi potrebama</a:t>
                       </a:r>
-                      <a:endParaRPr lang="en-US" dirty="0" smtClean="0"/>
-                    </a:p>
-                    <a:p>
                       <a:endParaRPr lang="en-US" dirty="0"/>
                     </a:p>
                   </a:txBody>
@@ -6256,7 +6211,6 @@
                         <a:rPr lang="sr-Latn-RS" dirty="0" smtClean="0"/>
                         <a:t>Free software</a:t>
                       </a:r>
-                      <a:endParaRPr lang="sr-Latn-RS" dirty="0" smtClean="0"/>
                     </a:p>
                   </a:txBody>
                   <a:tcPr/>
